--- a/作業區/網路概論/0427網路概論自我介紹.pptx
+++ b/作業區/網路概論/0427網路概論自我介紹.pptx
@@ -8,6 +8,7 @@
     <p:sldId id="256" r:id="rId2"/>
     <p:sldId id="257" r:id="rId3"/>
     <p:sldId id="258" r:id="rId4"/>
+    <p:sldId id="259" r:id="rId5"/>
   </p:sldIdLst>
   <p:sldSz cx="12192000" cy="6858000"/>
   <p:notesSz cx="6858000" cy="9144000"/>
@@ -312,7 +313,7 @@
             <a:pPr rtl="0"/>
             <a:fld id="{4AAD347D-5ACD-4C99-B74B-A9C85AD731AF}" type="datetimeFigureOut">
               <a:rPr lang="en-US" dirty="0"/>
-              <a:t>4/25/2022</a:t>
+              <a:t>5/30/2022</a:t>
             </a:fld>
             <a:endParaRPr lang="en-US" dirty="0"/>
           </a:p>
@@ -587,7 +588,7 @@
             <a:pPr rtl="0"/>
             <a:fld id="{4509A250-FF31-4206-8172-F9D3106AACB1}" type="datetimeFigureOut">
               <a:rPr lang="en-US" dirty="0"/>
-              <a:t>4/25/2022</a:t>
+              <a:t>5/30/2022</a:t>
             </a:fld>
             <a:endParaRPr lang="en-US" dirty="0"/>
           </a:p>
@@ -780,7 +781,7 @@
             <a:pPr rtl="0"/>
             <a:fld id="{4509A250-FF31-4206-8172-F9D3106AACB1}" type="datetimeFigureOut">
               <a:rPr lang="en-US" dirty="0"/>
-              <a:t>4/25/2022</a:t>
+              <a:t>5/30/2022</a:t>
             </a:fld>
             <a:endParaRPr lang="en-US" dirty="0"/>
           </a:p>
@@ -1052,7 +1053,7 @@
             <a:pPr rtl="0"/>
             <a:fld id="{4509A250-FF31-4206-8172-F9D3106AACB1}" type="datetimeFigureOut">
               <a:rPr lang="en-US" dirty="0"/>
-              <a:t>4/25/2022</a:t>
+              <a:t>5/30/2022</a:t>
             </a:fld>
             <a:endParaRPr lang="en-US" dirty="0"/>
           </a:p>
@@ -1392,7 +1393,7 @@
             <a:pPr rtl="0"/>
             <a:fld id="{4509A250-FF31-4206-8172-F9D3106AACB1}" type="datetimeFigureOut">
               <a:rPr lang="en-US" dirty="0"/>
-              <a:t>4/25/2022</a:t>
+              <a:t>5/30/2022</a:t>
             </a:fld>
             <a:endParaRPr lang="en-US" dirty="0"/>
           </a:p>
@@ -2014,7 +2015,7 @@
             <a:pPr rtl="0"/>
             <a:fld id="{4509A250-FF31-4206-8172-F9D3106AACB1}" type="datetimeFigureOut">
               <a:rPr lang="en-US" dirty="0"/>
-              <a:t>4/25/2022</a:t>
+              <a:t>5/30/2022</a:t>
             </a:fld>
             <a:endParaRPr lang="en-US" dirty="0"/>
           </a:p>
@@ -2876,7 +2877,7 @@
             <a:pPr rtl="0"/>
             <a:fld id="{4509A250-FF31-4206-8172-F9D3106AACB1}" type="datetimeFigureOut">
               <a:rPr lang="en-US" dirty="0"/>
-              <a:t>4/25/2022</a:t>
+              <a:t>5/30/2022</a:t>
             </a:fld>
             <a:endParaRPr lang="en-US" dirty="0"/>
           </a:p>
@@ -3045,7 +3046,7 @@
             <a:pPr rtl="0"/>
             <a:fld id="{4509A250-FF31-4206-8172-F9D3106AACB1}" type="datetimeFigureOut">
               <a:rPr lang="en-US" dirty="0"/>
-              <a:t>4/25/2022</a:t>
+              <a:t>5/30/2022</a:t>
             </a:fld>
             <a:endParaRPr lang="en-US" dirty="0"/>
           </a:p>
@@ -3224,7 +3225,7 @@
             <a:pPr rtl="0"/>
             <a:fld id="{4509A250-FF31-4206-8172-F9D3106AACB1}" type="datetimeFigureOut">
               <a:rPr lang="en-US" dirty="0"/>
-              <a:t>4/25/2022</a:t>
+              <a:t>5/30/2022</a:t>
             </a:fld>
             <a:endParaRPr lang="en-US" dirty="0"/>
           </a:p>
@@ -3393,7 +3394,7 @@
             <a:pPr rtl="0"/>
             <a:fld id="{4509A250-FF31-4206-8172-F9D3106AACB1}" type="datetimeFigureOut">
               <a:rPr lang="en-US" dirty="0"/>
-              <a:t>4/25/2022</a:t>
+              <a:t>5/30/2022</a:t>
             </a:fld>
             <a:endParaRPr lang="en-US" dirty="0"/>
           </a:p>
@@ -3639,7 +3640,7 @@
             <a:pPr rtl="0"/>
             <a:fld id="{9796027F-7875-4030-9381-8BD8C4F21935}" type="datetimeFigureOut">
               <a:rPr lang="en-US" dirty="0"/>
-              <a:t>4/25/2022</a:t>
+              <a:t>5/30/2022</a:t>
             </a:fld>
             <a:endParaRPr lang="en-US" dirty="0"/>
           </a:p>
@@ -3930,7 +3931,7 @@
             <a:pPr rtl="0"/>
             <a:fld id="{9796027F-7875-4030-9381-8BD8C4F21935}" type="datetimeFigureOut">
               <a:rPr lang="en-US" dirty="0"/>
-              <a:t>4/25/2022</a:t>
+              <a:t>5/30/2022</a:t>
             </a:fld>
             <a:endParaRPr lang="en-US" dirty="0"/>
           </a:p>
@@ -4373,7 +4374,7 @@
             <a:pPr rtl="0"/>
             <a:fld id="{9796027F-7875-4030-9381-8BD8C4F21935}" type="datetimeFigureOut">
               <a:rPr lang="en-US" dirty="0"/>
-              <a:t>4/25/2022</a:t>
+              <a:t>5/30/2022</a:t>
             </a:fld>
             <a:endParaRPr lang="en-US" dirty="0"/>
           </a:p>
@@ -4490,7 +4491,7 @@
             <a:pPr rtl="0"/>
             <a:fld id="{4509A250-FF31-4206-8172-F9D3106AACB1}" type="datetimeFigureOut">
               <a:rPr lang="en-US" dirty="0"/>
-              <a:t>4/25/2022</a:t>
+              <a:t>5/30/2022</a:t>
             </a:fld>
             <a:endParaRPr lang="en-US" dirty="0"/>
           </a:p>
@@ -4583,7 +4584,7 @@
             <a:pPr rtl="0"/>
             <a:fld id="{4509A250-FF31-4206-8172-F9D3106AACB1}" type="datetimeFigureOut">
               <a:rPr lang="en-US" dirty="0"/>
-              <a:t>4/25/2022</a:t>
+              <a:t>5/30/2022</a:t>
             </a:fld>
             <a:endParaRPr lang="en-US" dirty="0"/>
           </a:p>
@@ -4861,7 +4862,7 @@
             <a:pPr rtl="0"/>
             <a:fld id="{4509A250-FF31-4206-8172-F9D3106AACB1}" type="datetimeFigureOut">
               <a:rPr lang="en-US" dirty="0"/>
-              <a:t>4/25/2022</a:t>
+              <a:t>5/30/2022</a:t>
             </a:fld>
             <a:endParaRPr lang="en-US" dirty="0"/>
           </a:p>
@@ -5136,7 +5137,7 @@
             <a:pPr rtl="0"/>
             <a:fld id="{4509A250-FF31-4206-8172-F9D3106AACB1}" type="datetimeFigureOut">
               <a:rPr lang="en-US" dirty="0"/>
-              <a:t>4/25/2022</a:t>
+              <a:t>5/30/2022</a:t>
             </a:fld>
             <a:endParaRPr lang="en-US" dirty="0"/>
           </a:p>
@@ -5564,7 +5565,7 @@
             <a:pPr rtl="0"/>
             <a:fld id="{4AAD347D-5ACD-4C99-B74B-A9C85AD731AF}" type="datetimeFigureOut">
               <a:rPr lang="en-US" dirty="0"/>
-              <a:t>4/25/2022</a:t>
+              <a:t>5/30/2022</a:t>
             </a:fld>
             <a:endParaRPr lang="en-US" dirty="0"/>
           </a:p>
@@ -6322,10 +6323,15 @@
             <p:ph idx="1"/>
           </p:nvPr>
         </p:nvSpPr>
-        <p:spPr/>
+        <p:spPr>
+          <a:xfrm>
+            <a:off x="1103312" y="1313412"/>
+            <a:ext cx="10351626" cy="4934988"/>
+          </a:xfrm>
+        </p:spPr>
         <p:txBody>
           <a:bodyPr vert="horz" lIns="91440" tIns="45720" rIns="91440" bIns="45720" rtlCol="0" anchor="t">
-            <a:normAutofit lnSpcReduction="10000"/>
+            <a:normAutofit fontScale="92500"/>
           </a:bodyPr>
           <a:lstStyle/>
           <a:p>
@@ -6340,43 +6346,372 @@
               </a:buClr>
             </a:pPr>
             <a:r>
-              <a:rPr lang="zh-TW" altLang="en-US" sz="2200">
+              <a:rPr lang="zh-TW" altLang="en-US" sz="2200" dirty="0" smtClean="0">
                 <a:ea typeface="新細明體"/>
               </a:rPr>
-              <a:t>後端工程師(Python、JAVA、SQL)</a:t>
-            </a:r>
-            <a:endParaRPr lang="zh-TW" altLang="en-US">
+              <a:t>前</a:t>
+            </a:r>
+            <a:r>
+              <a:rPr lang="zh-TW" altLang="en-US" sz="2200" dirty="0">
+                <a:ea typeface="新細明體"/>
+              </a:rPr>
+              <a:t>端</a:t>
+            </a:r>
+            <a:r>
+              <a:rPr lang="zh-TW" altLang="en-US" sz="2200" dirty="0" smtClean="0">
+                <a:ea typeface="新細明體"/>
+              </a:rPr>
+              <a:t>工程師</a:t>
+            </a:r>
+            <a:endParaRPr lang="en-US" altLang="zh-TW" sz="2200" dirty="0" smtClean="0">
               <a:ea typeface="新細明體"/>
             </a:endParaRPr>
           </a:p>
           <a:p>
-            <a:pPr lvl="1" indent="0">
+            <a:pPr marL="0" indent="0">
               <a:buClr>
                 <a:srgbClr val="8AD0D6"/>
               </a:buClr>
               <a:buNone/>
             </a:pPr>
             <a:r>
-              <a:rPr lang="en-US" altLang="zh-TW" sz="2000" dirty="0">
+              <a:rPr lang="zh-TW" altLang="en-US" dirty="0"/>
+              <a:t>▲工作內容 </a:t>
+            </a:r>
+            <a:endParaRPr lang="en-US" altLang="zh-TW" dirty="0" smtClean="0"/>
+          </a:p>
+          <a:p>
+            <a:pPr marL="0" indent="0">
+              <a:buClr>
+                <a:srgbClr val="8AD0D6"/>
+              </a:buClr>
+              <a:buNone/>
+            </a:pPr>
+            <a:r>
+              <a:rPr lang="en-US" altLang="zh-TW" dirty="0" smtClean="0"/>
+              <a:t>• </a:t>
+            </a:r>
+            <a:r>
+              <a:rPr lang="zh-TW" altLang="en-US" dirty="0"/>
+              <a:t>負責網頁前端版面切版作業與互動功能開發與維護，並可與美術設計與後端工程師協同作業。 </a:t>
+            </a:r>
+            <a:endParaRPr lang="en-US" altLang="zh-TW" dirty="0" smtClean="0"/>
+          </a:p>
+          <a:p>
+            <a:pPr marL="0" indent="0">
+              <a:buClr>
+                <a:srgbClr val="8AD0D6"/>
+              </a:buClr>
+              <a:buNone/>
+            </a:pPr>
+            <a:r>
+              <a:rPr lang="en-US" altLang="zh-TW" dirty="0" smtClean="0"/>
+              <a:t>• </a:t>
+            </a:r>
+            <a:r>
+              <a:rPr lang="en-US" altLang="zh-TW" dirty="0"/>
+              <a:t>Angular 2+ </a:t>
+            </a:r>
+            <a:r>
+              <a:rPr lang="zh-TW" altLang="en-US" dirty="0"/>
+              <a:t>開發經驗 、熟悉資料交換格式</a:t>
+            </a:r>
+            <a:r>
+              <a:rPr lang="en-US" altLang="zh-TW" dirty="0"/>
+              <a:t>(</a:t>
+            </a:r>
+            <a:r>
+              <a:rPr lang="en-US" altLang="zh-TW" dirty="0" err="1"/>
+              <a:t>Json</a:t>
+            </a:r>
+            <a:r>
+              <a:rPr lang="zh-TW" altLang="en-US" dirty="0"/>
+              <a:t>、</a:t>
+            </a:r>
+            <a:r>
+              <a:rPr lang="en-US" altLang="zh-TW" dirty="0"/>
+              <a:t>XML</a:t>
+            </a:r>
+            <a:r>
+              <a:rPr lang="zh-TW" altLang="en-US" dirty="0"/>
+              <a:t>等</a:t>
+            </a:r>
+            <a:r>
+              <a:rPr lang="en-US" altLang="zh-TW" dirty="0"/>
+              <a:t>) </a:t>
+            </a:r>
+            <a:endParaRPr lang="en-US" altLang="zh-TW" dirty="0" smtClean="0"/>
+          </a:p>
+          <a:p>
+            <a:pPr marL="0" indent="0">
+              <a:buClr>
+                <a:srgbClr val="8AD0D6"/>
+              </a:buClr>
+              <a:buNone/>
+            </a:pPr>
+            <a:r>
+              <a:rPr lang="en-US" altLang="zh-TW" dirty="0" smtClean="0"/>
+              <a:t>• </a:t>
+            </a:r>
+            <a:r>
+              <a:rPr lang="zh-TW" altLang="en-US" dirty="0"/>
+              <a:t>具 </a:t>
+            </a:r>
+            <a:r>
+              <a:rPr lang="en-US" altLang="zh-TW" dirty="0" err="1"/>
+              <a:t>Git</a:t>
+            </a:r>
+            <a:r>
+              <a:rPr lang="en-US" altLang="zh-TW" dirty="0"/>
+              <a:t> </a:t>
+            </a:r>
+            <a:r>
+              <a:rPr lang="zh-TW" altLang="en-US" dirty="0"/>
+              <a:t>版本控管使用經驗 </a:t>
+            </a:r>
+            <a:r>
+              <a:rPr lang="en-US" altLang="zh-TW" dirty="0"/>
+              <a:t>• </a:t>
+            </a:r>
+            <a:r>
+              <a:rPr lang="zh-TW" altLang="en-US" dirty="0"/>
+              <a:t>熟 </a:t>
+            </a:r>
+            <a:r>
+              <a:rPr lang="en-US" altLang="zh-TW" dirty="0"/>
+              <a:t>RWD (Responsive-Web-Design)</a:t>
+            </a:r>
+            <a:r>
+              <a:rPr lang="zh-TW" altLang="en-US" dirty="0"/>
+              <a:t>、</a:t>
+            </a:r>
+            <a:r>
+              <a:rPr lang="en-US" altLang="zh-TW" dirty="0"/>
+              <a:t>Bootstrap </a:t>
+            </a:r>
+            <a:r>
+              <a:rPr lang="zh-TW" altLang="en-US" dirty="0"/>
+              <a:t>、及任一前端</a:t>
+            </a:r>
+            <a:r>
+              <a:rPr lang="zh-TW" altLang="en-US" dirty="0" smtClean="0"/>
+              <a:t>框</a:t>
+            </a:r>
+            <a:r>
+              <a:rPr lang="en-US" altLang="zh-TW" dirty="0" smtClean="0"/>
+              <a:t>	</a:t>
+            </a:r>
+            <a:r>
+              <a:rPr lang="zh-TW" altLang="en-US" dirty="0" smtClean="0"/>
+              <a:t>架</a:t>
+            </a:r>
+            <a:r>
+              <a:rPr lang="zh-TW" altLang="en-US" dirty="0"/>
+              <a:t>（</a:t>
+            </a:r>
+            <a:r>
+              <a:rPr lang="en-US" altLang="zh-TW" dirty="0"/>
+              <a:t>Angular, React.js, Vue.js) </a:t>
+            </a:r>
+            <a:endParaRPr lang="en-US" altLang="zh-TW" dirty="0" smtClean="0"/>
+          </a:p>
+          <a:p>
+            <a:pPr marL="0" indent="0">
+              <a:buClr>
+                <a:srgbClr val="8AD0D6"/>
+              </a:buClr>
+              <a:buNone/>
+            </a:pPr>
+            <a:r>
+              <a:rPr lang="en-US" altLang="zh-TW" dirty="0" smtClean="0"/>
+              <a:t>• </a:t>
+            </a:r>
+            <a:r>
+              <a:rPr lang="zh-TW" altLang="en-US" dirty="0"/>
+              <a:t>基本系統分析、設計以及資料庫設計、程式撰寫、測試的</a:t>
+            </a:r>
+            <a:r>
+              <a:rPr lang="zh-TW" altLang="en-US" dirty="0" smtClean="0"/>
+              <a:t>能力</a:t>
+            </a:r>
+            <a:endParaRPr lang="en-US" altLang="zh-TW" dirty="0" smtClean="0"/>
+          </a:p>
+          <a:p>
+            <a:pPr marL="0" indent="0">
+              <a:buClr>
+                <a:srgbClr val="8AD0D6"/>
+              </a:buClr>
+              <a:buNone/>
+            </a:pPr>
+            <a:r>
+              <a:rPr lang="en-US" altLang="zh-TW" dirty="0" smtClean="0"/>
+              <a:t>• </a:t>
+            </a:r>
+            <a:r>
+              <a:rPr lang="zh-TW" altLang="en-US" dirty="0"/>
+              <a:t>對技術有熱情，樂於共同學習、重視溝通、主動積極、有負責感、配合度高、重視團隊合作 </a:t>
+            </a:r>
+            <a:endParaRPr lang="en-US" altLang="zh-TW" dirty="0" smtClean="0"/>
+          </a:p>
+          <a:p>
+            <a:pPr marL="0" indent="0">
+              <a:buClr>
+                <a:srgbClr val="8AD0D6"/>
+              </a:buClr>
+              <a:buNone/>
+            </a:pPr>
+            <a:r>
+              <a:rPr lang="zh-TW" altLang="en-US" dirty="0" smtClean="0"/>
+              <a:t>▲</a:t>
+            </a:r>
+            <a:r>
+              <a:rPr lang="zh-TW" altLang="en-US" dirty="0"/>
+              <a:t>加分條件 </a:t>
+            </a:r>
+            <a:endParaRPr lang="en-US" altLang="zh-TW" dirty="0" smtClean="0"/>
+          </a:p>
+          <a:p>
+            <a:pPr marL="0" indent="0">
+              <a:buClr>
+                <a:srgbClr val="8AD0D6"/>
+              </a:buClr>
+              <a:buNone/>
+            </a:pPr>
+            <a:r>
+              <a:rPr lang="en-US" altLang="zh-TW" dirty="0" smtClean="0"/>
+              <a:t>•</a:t>
+            </a:r>
+            <a:r>
+              <a:rPr lang="zh-TW" altLang="en-US" dirty="0"/>
+              <a:t>具</a:t>
+            </a:r>
+            <a:r>
+              <a:rPr lang="en-US" altLang="zh-TW" dirty="0"/>
+              <a:t>Cloud-Native</a:t>
+            </a:r>
+            <a:r>
+              <a:rPr lang="zh-TW" altLang="en-US" dirty="0"/>
+              <a:t>應用系統開發經驗者尤佳 </a:t>
+            </a:r>
+            <a:endParaRPr lang="en-US" altLang="zh-TW" dirty="0" smtClean="0"/>
+          </a:p>
+          <a:p>
+            <a:pPr marL="0" indent="0">
+              <a:buClr>
+                <a:srgbClr val="8AD0D6"/>
+              </a:buClr>
+              <a:buNone/>
+            </a:pPr>
+            <a:r>
+              <a:rPr lang="en-US" altLang="zh-TW" dirty="0" smtClean="0"/>
+              <a:t>•</a:t>
+            </a:r>
+            <a:r>
+              <a:rPr lang="en-US" altLang="zh-TW" dirty="0"/>
+              <a:t>C# / ASP.NET 4.0 </a:t>
+            </a:r>
+            <a:r>
+              <a:rPr lang="zh-TW" altLang="en-US" dirty="0"/>
+              <a:t>以上開發經驗</a:t>
+            </a:r>
+            <a:endParaRPr lang="zh-TW" altLang="en-US" dirty="0">
+              <a:ea typeface="新細明體"/>
+            </a:endParaRPr>
+          </a:p>
+        </p:txBody>
+      </p:sp>
+    </p:spTree>
+    <p:extLst>
+      <p:ext uri="{BB962C8B-B14F-4D97-AF65-F5344CB8AC3E}">
+        <p14:creationId xmlns:p14="http://schemas.microsoft.com/office/powerpoint/2010/main" val="1302730814"/>
+      </p:ext>
+    </p:extLst>
+  </p:cSld>
+  <p:clrMapOvr>
+    <a:masterClrMapping/>
+  </p:clrMapOvr>
+</p:sld>
+</file>
+
+<file path=ppt/slides/slide4.xml><?xml version="1.0" encoding="utf-8"?>
+<p:sld xmlns:a="http://schemas.openxmlformats.org/drawingml/2006/main" xmlns:r="http://schemas.openxmlformats.org/officeDocument/2006/relationships" xmlns:p="http://schemas.openxmlformats.org/presentationml/2006/main">
+  <p:cSld>
+    <p:spTree>
+      <p:nvGrpSpPr>
+        <p:cNvPr id="1" name=""/>
+        <p:cNvGrpSpPr/>
+        <p:nvPr/>
+      </p:nvGrpSpPr>
+      <p:grpSpPr>
+        <a:xfrm>
+          <a:off x="0" y="0"/>
+          <a:ext cx="0" cy="0"/>
+          <a:chOff x="0" y="0"/>
+          <a:chExt cx="0" cy="0"/>
+        </a:xfrm>
+      </p:grpSpPr>
+      <p:sp>
+        <p:nvSpPr>
+          <p:cNvPr id="2" name="標題 1">
+            <a:extLst>
+              <a:ext uri="{FF2B5EF4-FFF2-40B4-BE49-F238E27FC236}">
+                <a16:creationId xmlns:a16="http://schemas.microsoft.com/office/drawing/2014/main" id="{1AB19200-0AEE-8869-6698-582F7D0271A8}"/>
+              </a:ext>
+            </a:extLst>
+          </p:cNvPr>
+          <p:cNvSpPr>
+            <a:spLocks noGrp="1"/>
+          </p:cNvSpPr>
+          <p:nvPr>
+            <p:ph type="title"/>
+          </p:nvPr>
+        </p:nvSpPr>
+        <p:spPr/>
+        <p:txBody>
+          <a:bodyPr/>
+          <a:lstStyle/>
+          <a:p>
+            <a:r>
+              <a:rPr lang="zh-TW" altLang="en-US" sz="5400">
                 <a:ea typeface="新細明體"/>
               </a:rPr>
-              <a:t>1.資料庫與前端橋梁</a:t>
-            </a:r>
-            <a:endParaRPr lang="zh-TW" altLang="en-US" sz="2000" dirty="0">
+              <a:t>希望職缺</a:t>
+            </a:r>
+            <a:endParaRPr lang="zh-TW" altLang="en-US" sz="5400" dirty="0">
               <a:ea typeface="新細明體"/>
             </a:endParaRPr>
           </a:p>
-          <a:p>
-            <a:pPr lvl="1" indent="0">
-              <a:buNone/>
-            </a:pPr>
-            <a:r>
-              <a:rPr lang="en-US" altLang="zh-TW" sz="2000" dirty="0">
-                <a:ea typeface="新細明體"/>
-              </a:rPr>
-              <a:t>2.商業邏輯處理</a:t>
-            </a:r>
-            <a:endParaRPr lang="en-US" altLang="zh-TW" dirty="0">
+        </p:txBody>
+      </p:sp>
+      <p:sp>
+        <p:nvSpPr>
+          <p:cNvPr id="3" name="內容版面配置區 2">
+            <a:extLst>
+              <a:ext uri="{FF2B5EF4-FFF2-40B4-BE49-F238E27FC236}">
+                <a16:creationId xmlns:a16="http://schemas.microsoft.com/office/drawing/2014/main" id="{E27B81CB-CEB6-FB72-4581-51C4C863EDF5}"/>
+              </a:ext>
+            </a:extLst>
+          </p:cNvPr>
+          <p:cNvSpPr>
+            <a:spLocks noGrp="1"/>
+          </p:cNvSpPr>
+          <p:nvPr>
+            <p:ph idx="1"/>
+          </p:nvPr>
+        </p:nvSpPr>
+        <p:spPr>
+          <a:xfrm>
+            <a:off x="1103312" y="1313412"/>
+            <a:ext cx="10351626" cy="4934988"/>
+          </a:xfrm>
+        </p:spPr>
+        <p:txBody>
+          <a:bodyPr vert="horz" lIns="91440" tIns="45720" rIns="91440" bIns="45720" rtlCol="0" anchor="t">
+            <a:normAutofit/>
+          </a:bodyPr>
+          <a:lstStyle/>
+          <a:p>
+            <a:endParaRPr lang="zh-TW" altLang="en-US" sz="2200" dirty="0">
               <a:ea typeface="新細明體"/>
             </a:endParaRPr>
           </a:p>
@@ -6386,117 +6721,221 @@
                 <a:srgbClr val="8AD0D6"/>
               </a:buClr>
             </a:pPr>
+            <a:r>
+              <a:rPr lang="zh-TW" altLang="en-US" sz="2200" dirty="0">
+                <a:ea typeface="新細明體"/>
+              </a:rPr>
+              <a:t>後</a:t>
+            </a:r>
+            <a:r>
+              <a:rPr lang="zh-TW" altLang="en-US" sz="2200" dirty="0" smtClean="0">
+                <a:ea typeface="新細明體"/>
+              </a:rPr>
+              <a:t>端工程師</a:t>
+            </a:r>
+            <a:endParaRPr lang="en-US" altLang="zh-TW" sz="2200" dirty="0" smtClean="0">
+              <a:ea typeface="新細明體"/>
+            </a:endParaRPr>
+          </a:p>
+          <a:p>
+            <a:pPr marL="0" indent="0">
+              <a:buClr>
+                <a:srgbClr val="8AD0D6"/>
+              </a:buClr>
+              <a:buNone/>
+            </a:pPr>
+            <a:r>
+              <a:rPr lang="en-US" altLang="zh-TW" dirty="0"/>
+              <a:t>1.</a:t>
+            </a:r>
+            <a:r>
+              <a:rPr lang="zh-TW" altLang="en-US" dirty="0"/>
+              <a:t>需與團隊成員共同開發與維護專案 </a:t>
+            </a:r>
+            <a:endParaRPr lang="en-US" altLang="zh-TW" dirty="0" smtClean="0"/>
+          </a:p>
+          <a:p>
+            <a:pPr marL="0" indent="0">
+              <a:buClr>
+                <a:srgbClr val="8AD0D6"/>
+              </a:buClr>
+              <a:buNone/>
+            </a:pPr>
+            <a:r>
+              <a:rPr lang="en-US" altLang="zh-TW" dirty="0" smtClean="0"/>
+              <a:t>2</a:t>
+            </a:r>
+            <a:r>
+              <a:rPr lang="en-US" altLang="zh-TW" dirty="0"/>
+              <a:t>.</a:t>
+            </a:r>
+            <a:r>
+              <a:rPr lang="zh-TW" altLang="en-US" dirty="0"/>
+              <a:t>主要使用</a:t>
+            </a:r>
+            <a:r>
+              <a:rPr lang="en-US" altLang="zh-TW" dirty="0"/>
+              <a:t>express</a:t>
+            </a:r>
+            <a:r>
+              <a:rPr lang="zh-TW" altLang="en-US" dirty="0"/>
+              <a:t>框架，採前後分離開發</a:t>
+            </a:r>
+            <a:r>
+              <a:rPr lang="en-US" altLang="zh-TW" dirty="0"/>
+              <a:t>(RESTful)</a:t>
+            </a:r>
+            <a:r>
+              <a:rPr lang="zh-TW" altLang="en-US" dirty="0"/>
+              <a:t>，資料庫主要用</a:t>
+            </a:r>
+            <a:r>
+              <a:rPr lang="en-US" altLang="zh-TW" dirty="0"/>
+              <a:t>SQLite </a:t>
+            </a:r>
+            <a:endParaRPr lang="en-US" altLang="zh-TW" dirty="0" smtClean="0"/>
+          </a:p>
+          <a:p>
+            <a:pPr marL="0" indent="0">
+              <a:buClr>
+                <a:srgbClr val="8AD0D6"/>
+              </a:buClr>
+              <a:buNone/>
+            </a:pPr>
+            <a:r>
+              <a:rPr lang="en-US" altLang="zh-TW" dirty="0" smtClean="0"/>
+              <a:t>[</a:t>
+            </a:r>
+            <a:r>
+              <a:rPr lang="zh-TW" altLang="en-US" dirty="0"/>
+              <a:t>基本條件</a:t>
+            </a:r>
+            <a:r>
+              <a:rPr lang="en-US" altLang="zh-TW" dirty="0"/>
+              <a:t>] </a:t>
+            </a:r>
+            <a:r>
+              <a:rPr lang="zh-TW" altLang="en-US" dirty="0"/>
+              <a:t>熟悉基礎的</a:t>
+            </a:r>
+            <a:r>
+              <a:rPr lang="en-US" altLang="zh-TW" dirty="0"/>
+              <a:t>CRUD</a:t>
+            </a:r>
+            <a:r>
+              <a:rPr lang="zh-TW" altLang="en-US" dirty="0"/>
+              <a:t>與</a:t>
+            </a:r>
+            <a:r>
+              <a:rPr lang="en-US" altLang="zh-TW" dirty="0"/>
+              <a:t>MVC</a:t>
+            </a:r>
+            <a:r>
+              <a:rPr lang="zh-TW" altLang="en-US" dirty="0"/>
+              <a:t>開發 </a:t>
+            </a:r>
+            <a:endParaRPr lang="en-US" altLang="zh-TW" dirty="0" smtClean="0"/>
+          </a:p>
+          <a:p>
+            <a:pPr marL="0" indent="0">
+              <a:buClr>
+                <a:srgbClr val="8AD0D6"/>
+              </a:buClr>
+              <a:buNone/>
+            </a:pPr>
+            <a:r>
+              <a:rPr lang="en-US" altLang="zh-TW" dirty="0" smtClean="0"/>
+              <a:t>[</a:t>
+            </a:r>
+            <a:r>
+              <a:rPr lang="zh-TW" altLang="en-US" dirty="0"/>
+              <a:t>加分條件</a:t>
+            </a:r>
+            <a:r>
+              <a:rPr lang="en-US" altLang="zh-TW" dirty="0"/>
+              <a:t>] </a:t>
+            </a:r>
+            <a:r>
+              <a:rPr lang="zh-TW" altLang="en-US" dirty="0"/>
+              <a:t>熟悉</a:t>
+            </a:r>
+            <a:r>
+              <a:rPr lang="en-US" altLang="zh-TW" dirty="0"/>
+              <a:t>Linux</a:t>
+            </a:r>
+            <a:r>
+              <a:rPr lang="zh-TW" altLang="en-US" dirty="0"/>
+              <a:t>系統 </a:t>
+            </a:r>
+            <a:endParaRPr lang="en-US" altLang="zh-TW" dirty="0" smtClean="0"/>
+          </a:p>
+          <a:p>
+            <a:pPr marL="0" indent="0">
+              <a:buClr>
+                <a:srgbClr val="8AD0D6"/>
+              </a:buClr>
+              <a:buNone/>
+            </a:pPr>
+            <a:r>
+              <a:rPr lang="zh-TW" altLang="en-US" dirty="0" smtClean="0"/>
+              <a:t>熟悉</a:t>
+            </a:r>
+            <a:r>
+              <a:rPr lang="en-US" altLang="zh-TW" dirty="0" err="1"/>
+              <a:t>Javascript</a:t>
+            </a:r>
+            <a:r>
+              <a:rPr lang="en-US" altLang="zh-TW" dirty="0"/>
+              <a:t> ES6 </a:t>
+            </a:r>
+            <a:endParaRPr lang="en-US" altLang="zh-TW" dirty="0" smtClean="0"/>
+          </a:p>
+          <a:p>
+            <a:pPr marL="0" indent="0">
+              <a:buClr>
+                <a:srgbClr val="8AD0D6"/>
+              </a:buClr>
+              <a:buNone/>
+            </a:pPr>
+            <a:r>
+              <a:rPr lang="zh-TW" altLang="en-US" dirty="0" smtClean="0"/>
+              <a:t>其他</a:t>
+            </a:r>
+            <a:r>
+              <a:rPr lang="zh-TW" altLang="en-US" dirty="0"/>
+              <a:t>語言開發經驗 </a:t>
+            </a:r>
+            <a:endParaRPr lang="en-US" altLang="zh-TW" dirty="0" smtClean="0"/>
+          </a:p>
+          <a:p>
+            <a:pPr marL="0" indent="0">
+              <a:buClr>
+                <a:srgbClr val="8AD0D6"/>
+              </a:buClr>
+              <a:buNone/>
+            </a:pPr>
+            <a:r>
+              <a:rPr lang="zh-TW" altLang="en-US" dirty="0" smtClean="0"/>
+              <a:t>有</a:t>
+            </a:r>
+            <a:r>
+              <a:rPr lang="en-US" altLang="zh-TW" dirty="0" err="1"/>
+              <a:t>websocket</a:t>
+            </a:r>
+            <a:r>
+              <a:rPr lang="zh-TW" altLang="en-US" dirty="0"/>
+              <a:t>經驗</a:t>
+            </a:r>
             <a:endParaRPr lang="zh-TW" altLang="en-US" dirty="0">
               <a:ea typeface="新細明體"/>
             </a:endParaRPr>
           </a:p>
-          <a:p>
-            <a:pPr>
-              <a:buClr>
-                <a:srgbClr val="8AD0D6"/>
-              </a:buClr>
-            </a:pPr>
-            <a:r>
-              <a:rPr lang="zh-TW" altLang="en-US" sz="2200">
-                <a:ea typeface="新細明體"/>
-              </a:rPr>
-              <a:t>前端工程師(HTML、CSS、JavaScript)</a:t>
-            </a:r>
-            <a:endParaRPr lang="zh-TW">
-              <a:ea typeface="新細明體"/>
-            </a:endParaRPr>
-          </a:p>
-          <a:p>
-            <a:pPr marL="457200" lvl="1" indent="0">
-              <a:buClr>
-                <a:srgbClr val="8AD0D6"/>
-              </a:buClr>
-              <a:buNone/>
-            </a:pPr>
-            <a:r>
-              <a:rPr lang="zh-TW" altLang="en-US">
-                <a:ea typeface="新細明體"/>
-              </a:rPr>
-              <a:t>    1.</a:t>
-            </a:r>
-            <a:r>
-              <a:rPr lang="zh-TW">
-                <a:ea typeface="新細明體"/>
-              </a:rPr>
-              <a:t>從設計轉化為真實網頁</a:t>
-            </a:r>
-            <a:endParaRPr lang="zh-TW" altLang="en-US">
-              <a:ea typeface="新細明體"/>
-            </a:endParaRPr>
-          </a:p>
-          <a:p>
-            <a:pPr lvl="1">
-              <a:buNone/>
-            </a:pPr>
-            <a:r>
-              <a:rPr lang="en-US" altLang="zh-TW" dirty="0">
-                <a:ea typeface="新細明體"/>
-              </a:rPr>
-              <a:t>    2.</a:t>
-            </a:r>
-            <a:r>
-              <a:rPr lang="zh-TW">
-                <a:ea typeface="新細明體"/>
-              </a:rPr>
-              <a:t>與後端伺服器的資料溝通</a:t>
-            </a:r>
-          </a:p>
-          <a:p>
-            <a:pPr marL="457200" lvl="1" indent="0">
-              <a:buNone/>
-            </a:pPr>
-            <a:r>
-              <a:rPr lang="zh-TW" altLang="en-US">
-                <a:ea typeface="新細明體"/>
-              </a:rPr>
-              <a:t>    3.</a:t>
-            </a:r>
-            <a:r>
-              <a:rPr lang="zh-TW">
-                <a:ea typeface="新細明體"/>
-              </a:rPr>
-              <a:t>讓網頁能在各種裝置各種瀏覽器上運行</a:t>
-            </a:r>
-            <a:endParaRPr lang="zh-TW" altLang="en-US">
-              <a:ea typeface="新細明體"/>
-            </a:endParaRPr>
-          </a:p>
-          <a:p>
-            <a:pPr marL="457200" lvl="1" indent="0">
-              <a:buNone/>
-            </a:pPr>
-            <a:r>
-              <a:rPr lang="zh-TW" altLang="en-US">
-                <a:ea typeface="新細明體"/>
-              </a:rPr>
-              <a:t>    4.</a:t>
-            </a:r>
-            <a:r>
-              <a:rPr lang="zh-TW">
-                <a:ea typeface="新細明體"/>
-              </a:rPr>
-              <a:t>優化前端體驗與效能</a:t>
-            </a:r>
-          </a:p>
-          <a:p>
-            <a:pPr marL="457200" lvl="1" indent="0">
-              <a:buNone/>
-            </a:pPr>
-            <a:endParaRPr lang="zh-TW" altLang="en-US" dirty="0">
-              <a:ea typeface="新細明體"/>
-            </a:endParaRPr>
-          </a:p>
         </p:txBody>
       </p:sp>
     </p:spTree>
     <p:extLst>
       <p:ext uri="{BB962C8B-B14F-4D97-AF65-F5344CB8AC3E}">
-        <p14:creationId xmlns:p14="http://schemas.microsoft.com/office/powerpoint/2010/main" val="1302730814"/>
+        <p14:creationId xmlns:p14="http://schemas.microsoft.com/office/powerpoint/2010/main" val="2097018179"/>
       </p:ext>
     </p:extLst>
   </p:cSld>
